--- a/1.0 Introduction.pptx
+++ b/1.0 Introduction.pptx
@@ -123,6 +123,11 @@
       </a:defRPr>
     </a:lvl9pPr>
   </p:defaultTextStyle>
+  <p:extLst>
+    <p:ext uri="{EFAFB233-063F-42B5-8137-9DF3F51BA10A}">
+      <p15:sldGuideLst xmlns:p15="http://schemas.microsoft.com/office/powerpoint/2012/main"/>
+    </p:ext>
+  </p:extLst>
 </p:presentation>
 </file>
 
@@ -1605,45 +1610,45 @@
     </dgm:pt>
   </dgm:ptLst>
   <dgm:cxnLst>
+    <dgm:cxn modelId="{9AD95201-72A7-494D-9C90-963D9D1522A2}" type="presOf" srcId="{DA71B3B9-09A9-4C6F-9E29-C5A9DE5A4E67}" destId="{A2F05774-3697-43C1-8425-C2A487A86564}" srcOrd="0" destOrd="0" presId="urn:microsoft.com/office/officeart/2005/8/layout/radial1"/>
+    <dgm:cxn modelId="{7D158109-777F-46D2-A3C3-2241FE1AD285}" srcId="{B47BE4D0-09EF-4DC9-B746-81C9F0BBDCF1}" destId="{E1DAC6D0-3F70-40C7-93E9-994E2FA867AA}" srcOrd="0" destOrd="0" parTransId="{FE8FC1AE-7B12-4545-9B86-6A895D884D8E}" sibTransId="{8ED93458-5F31-4E49-B83F-46A52ADD3462}"/>
+    <dgm:cxn modelId="{D12E0E1F-3C17-4467-8A09-33E4ACE5A7A7}" srcId="{E1DAC6D0-3F70-40C7-93E9-994E2FA867AA}" destId="{D477EAE7-33E5-4A7B-BB35-B86123C6C54C}" srcOrd="4" destOrd="0" parTransId="{DA71B3B9-09A9-4C6F-9E29-C5A9DE5A4E67}" sibTransId="{CB35CD61-FA0E-4ECB-8145-17D2DA274E66}"/>
+    <dgm:cxn modelId="{E857CA1F-D90D-4B3C-B2FC-8B7AFC38066F}" srcId="{789771DC-6B9A-4094-B5C2-7D220FEAFD69}" destId="{4E0E47D3-2FA4-46FC-8D26-AF129007AC24}" srcOrd="1" destOrd="0" parTransId="{057A5473-2D98-4ECF-B435-4CB81C117798}" sibTransId="{56E81CDD-6D79-47B3-AAAF-57A4C63AB402}"/>
+    <dgm:cxn modelId="{86CB1F20-179C-4725-AF81-6E02F275A7F0}" type="presOf" srcId="{EE5BB507-6FF0-408C-AEAE-9CA58E77FAD6}" destId="{522438C3-DF03-41BA-8784-883568A80890}" srcOrd="0" destOrd="1" presId="urn:microsoft.com/office/officeart/2005/8/layout/radial1"/>
+    <dgm:cxn modelId="{BD4E7829-69DC-47BB-AD41-88C1D7B73E7C}" type="presOf" srcId="{E1DAC6D0-3F70-40C7-93E9-994E2FA867AA}" destId="{C3D6D312-FBD0-4E57-BE8A-DF42189CD118}" srcOrd="0" destOrd="0" presId="urn:microsoft.com/office/officeart/2005/8/layout/radial1"/>
+    <dgm:cxn modelId="{838A6838-1BD5-400E-BAEC-9BD011B87189}" type="presOf" srcId="{AD916FB1-6F05-4BDF-BE92-C129A64187EF}" destId="{2A75E615-30CE-4F4E-97D7-ADC19AFBDFFA}" srcOrd="1" destOrd="0" presId="urn:microsoft.com/office/officeart/2005/8/layout/radial1"/>
+    <dgm:cxn modelId="{1B2F325B-76FC-4301-99C2-952CBCEE74DA}" srcId="{E1DAC6D0-3F70-40C7-93E9-994E2FA867AA}" destId="{66DA6CAA-AFD4-4709-9AEB-BE238748364D}" srcOrd="3" destOrd="0" parTransId="{ADB68735-6BFA-4AB1-8640-B73A0A03781E}" sibTransId="{F9A31AD2-C2A6-4C07-AD18-9E2D94593E05}"/>
+    <dgm:cxn modelId="{DD7AD544-D974-45F7-9F2C-E42A1A7D2E45}" srcId="{789771DC-6B9A-4094-B5C2-7D220FEAFD69}" destId="{4941EC8D-5C8E-4086-B248-16E3640F1BC4}" srcOrd="0" destOrd="0" parTransId="{9F7863C7-342A-44B3-80E7-8B9D6CBE7D25}" sibTransId="{1B8E44B0-E7CC-425E-8AF4-D570B3EA53AB}"/>
+    <dgm:cxn modelId="{6F05C365-9C84-4BDC-8F42-59A583F0BA82}" type="presOf" srcId="{B47BE4D0-09EF-4DC9-B746-81C9F0BBDCF1}" destId="{CCD743AE-3A6F-4157-9418-CAB516B3B6E5}" srcOrd="0" destOrd="0" presId="urn:microsoft.com/office/officeart/2005/8/layout/radial1"/>
+    <dgm:cxn modelId="{B9F91848-8625-4796-9EB4-0C90C22B05BC}" srcId="{E1DAC6D0-3F70-40C7-93E9-994E2FA867AA}" destId="{CEC2656A-E0BC-49F2-B8ED-F53B857B3F37}" srcOrd="1" destOrd="0" parTransId="{5871EDCE-3F4B-4927-96CB-9BCF3AAA90E4}" sibTransId="{81DCCA8C-31AC-4510-850F-48B769EF95A4}"/>
+    <dgm:cxn modelId="{F446AD4F-4EBA-43B0-A21C-4F6382DADC5D}" srcId="{CEC2656A-E0BC-49F2-B8ED-F53B857B3F37}" destId="{AC7067C7-F6DA-4728-AF35-AAD15AFD7B4F}" srcOrd="0" destOrd="0" parTransId="{519C0772-5BAC-4F3D-8C27-E84854D88A90}" sibTransId="{B735960E-0137-4DC5-BC41-5F3BEB018675}"/>
+    <dgm:cxn modelId="{86D77A50-727E-4FC1-8002-2782D1694428}" type="presOf" srcId="{D18E537E-B4C9-4A1B-B3AC-4054D4A66DDD}" destId="{432143B9-140C-4416-92DC-96815D1AEFE0}" srcOrd="0" destOrd="2" presId="urn:microsoft.com/office/officeart/2005/8/layout/radial1"/>
+    <dgm:cxn modelId="{028D4272-4D0E-428E-B502-FE32CD2479C0}" srcId="{E1DAC6D0-3F70-40C7-93E9-994E2FA867AA}" destId="{789771DC-6B9A-4094-B5C2-7D220FEAFD69}" srcOrd="0" destOrd="0" parTransId="{AD916FB1-6F05-4BDF-BE92-C129A64187EF}" sibTransId="{C7A093FD-1419-4961-A9F4-7A189DB10736}"/>
+    <dgm:cxn modelId="{CCBC4E86-590A-46F1-B372-6E5DF23647E0}" srcId="{66DA6CAA-AFD4-4709-9AEB-BE238748364D}" destId="{F5CFD66C-3D96-4AC2-AF00-379D350641B7}" srcOrd="1" destOrd="0" parTransId="{FD16FEE6-D7AE-44DE-B818-61F39F0EE6F1}" sibTransId="{8BC57D78-0423-4FB5-A0F8-1371255F7B7C}"/>
+    <dgm:cxn modelId="{4AAF0589-E351-4099-BBD0-A7A3B0DB8DAC}" type="presOf" srcId="{ADB68735-6BFA-4AB1-8640-B73A0A03781E}" destId="{3DBFB8A4-A9A9-4271-AD3B-34E073A11877}" srcOrd="1" destOrd="0" presId="urn:microsoft.com/office/officeart/2005/8/layout/radial1"/>
+    <dgm:cxn modelId="{600D7B8A-110C-41FD-B524-64E390944087}" type="presOf" srcId="{AC7067C7-F6DA-4728-AF35-AAD15AFD7B4F}" destId="{432143B9-140C-4416-92DC-96815D1AEFE0}" srcOrd="0" destOrd="1" presId="urn:microsoft.com/office/officeart/2005/8/layout/radial1"/>
+    <dgm:cxn modelId="{EF928492-361F-4113-80D2-252FBF8CDE6D}" type="presOf" srcId="{5871EDCE-3F4B-4927-96CB-9BCF3AAA90E4}" destId="{643942D3-D8D9-4FA8-98DF-A9B9CB58B587}" srcOrd="0" destOrd="0" presId="urn:microsoft.com/office/officeart/2005/8/layout/radial1"/>
+    <dgm:cxn modelId="{C030F496-40BB-41B0-AF3A-18974589454E}" type="presOf" srcId="{AD916FB1-6F05-4BDF-BE92-C129A64187EF}" destId="{622BEBB3-D706-4739-8E53-393060FB41E8}" srcOrd="0" destOrd="0" presId="urn:microsoft.com/office/officeart/2005/8/layout/radial1"/>
+    <dgm:cxn modelId="{D26FFA9A-DEA6-4517-BB32-C2DF7AC8FDD7}" type="presOf" srcId="{F5CFD66C-3D96-4AC2-AF00-379D350641B7}" destId="{522438C3-DF03-41BA-8784-883568A80890}" srcOrd="0" destOrd="2" presId="urn:microsoft.com/office/officeart/2005/8/layout/radial1"/>
+    <dgm:cxn modelId="{A199949C-7462-43CF-8A75-AA472E52438F}" type="presOf" srcId="{ADB68735-6BFA-4AB1-8640-B73A0A03781E}" destId="{F30039F5-66A8-46C7-8B82-393E08EA72CD}" srcOrd="0" destOrd="0" presId="urn:microsoft.com/office/officeart/2005/8/layout/radial1"/>
+    <dgm:cxn modelId="{A7FDFAA0-EABC-4409-B28A-03C492BF0C08}" type="presOf" srcId="{67BEBE1A-3A5B-4657-AE6B-F121649C426D}" destId="{260B1ECE-CCA2-431B-8F4B-4CAAA8A74E6D}" srcOrd="1" destOrd="0" presId="urn:microsoft.com/office/officeart/2005/8/layout/radial1"/>
+    <dgm:cxn modelId="{539D00AF-569D-481C-A769-4EC0C6D6E504}" type="presOf" srcId="{5871EDCE-3F4B-4927-96CB-9BCF3AAA90E4}" destId="{E350E0D2-04DA-433B-BF36-92919459E719}" srcOrd="1" destOrd="0" presId="urn:microsoft.com/office/officeart/2005/8/layout/radial1"/>
+    <dgm:cxn modelId="{0D28B6B6-E71A-498D-8EA9-091388DAA186}" type="presOf" srcId="{67BEBE1A-3A5B-4657-AE6B-F121649C426D}" destId="{5E75B7D9-72A6-4BCE-BB1F-DA36363C4E77}" srcOrd="0" destOrd="0" presId="urn:microsoft.com/office/officeart/2005/8/layout/radial1"/>
+    <dgm:cxn modelId="{A5B272BB-B62C-4A0F-A9A5-A2A1B7E660FA}" type="presOf" srcId="{4E0E47D3-2FA4-46FC-8D26-AF129007AC24}" destId="{6AD65DF4-258C-4516-8707-CF9FABFEBFCD}" srcOrd="0" destOrd="2" presId="urn:microsoft.com/office/officeart/2005/8/layout/radial1"/>
+    <dgm:cxn modelId="{AA7542BE-5E15-4145-A509-4843F093D838}" srcId="{CEC2656A-E0BC-49F2-B8ED-F53B857B3F37}" destId="{D18E537E-B4C9-4A1B-B3AC-4054D4A66DDD}" srcOrd="1" destOrd="0" parTransId="{B8FC1DA4-259C-4989-B0CD-C52B38986D44}" sibTransId="{059CC7F2-B6A5-420B-94BC-00385FEAD4D7}"/>
+    <dgm:cxn modelId="{F948F8C1-7AB1-4E47-B2FD-5B1073F96410}" type="presOf" srcId="{CEC2656A-E0BC-49F2-B8ED-F53B857B3F37}" destId="{432143B9-140C-4416-92DC-96815D1AEFE0}" srcOrd="0" destOrd="0" presId="urn:microsoft.com/office/officeart/2005/8/layout/radial1"/>
+    <dgm:cxn modelId="{190F15CB-3CE8-40D3-B34A-879C609DB2D6}" srcId="{E1DAC6D0-3F70-40C7-93E9-994E2FA867AA}" destId="{668A9300-CA18-4869-86B8-CD5AE8FCD71D}" srcOrd="2" destOrd="0" parTransId="{67BEBE1A-3A5B-4657-AE6B-F121649C426D}" sibTransId="{36A177A7-3279-4D3C-991A-214DB5A3D2AB}"/>
+    <dgm:cxn modelId="{E87B6DD1-6D96-455C-98E2-658E6B59565F}" srcId="{66DA6CAA-AFD4-4709-9AEB-BE238748364D}" destId="{EE5BB507-6FF0-408C-AEAE-9CA58E77FAD6}" srcOrd="0" destOrd="0" parTransId="{DBF793A7-B33E-49B7-8DAD-5DCE8BB07548}" sibTransId="{EC6D5965-A443-40F1-A101-EF728788BC07}"/>
+    <dgm:cxn modelId="{C94F3FD3-1FFC-406D-BF20-64BE1C58A987}" type="presOf" srcId="{CFF10F3F-23B1-4901-BC09-19921F995B5A}" destId="{6AD65DF4-258C-4516-8707-CF9FABFEBFCD}" srcOrd="0" destOrd="3" presId="urn:microsoft.com/office/officeart/2005/8/layout/radial1"/>
+    <dgm:cxn modelId="{D527B4D3-3441-4201-B88E-8EDE863E6F50}" type="presOf" srcId="{DA71B3B9-09A9-4C6F-9E29-C5A9DE5A4E67}" destId="{0C48F949-36E0-498E-9E5B-87D0DD8EB513}" srcOrd="1" destOrd="0" presId="urn:microsoft.com/office/officeart/2005/8/layout/radial1"/>
+    <dgm:cxn modelId="{20D7A0D7-2260-4448-8743-553447F562D0}" srcId="{668A9300-CA18-4869-86B8-CD5AE8FCD71D}" destId="{B0772A81-28BB-442D-BE01-E528E9F73514}" srcOrd="0" destOrd="0" parTransId="{95EBE762-DB35-4DEC-ACCC-15A87AA53A2D}" sibTransId="{7474DD8F-F34B-4C46-9020-A2244663F2D3}"/>
     <dgm:cxn modelId="{3FABB0DB-7C60-4F80-AEA4-BBFBEAF9526D}" type="presOf" srcId="{B0772A81-28BB-442D-BE01-E528E9F73514}" destId="{B8609EC8-1B94-49B9-9DB4-04F710CFE2FA}" srcOrd="0" destOrd="1" presId="urn:microsoft.com/office/officeart/2005/8/layout/radial1"/>
-    <dgm:cxn modelId="{C94F3FD3-1FFC-406D-BF20-64BE1C58A987}" type="presOf" srcId="{CFF10F3F-23B1-4901-BC09-19921F995B5A}" destId="{6AD65DF4-258C-4516-8707-CF9FABFEBFCD}" srcOrd="0" destOrd="3" presId="urn:microsoft.com/office/officeart/2005/8/layout/radial1"/>
-    <dgm:cxn modelId="{E857CA1F-D90D-4B3C-B2FC-8B7AFC38066F}" srcId="{789771DC-6B9A-4094-B5C2-7D220FEAFD69}" destId="{4E0E47D3-2FA4-46FC-8D26-AF129007AC24}" srcOrd="1" destOrd="0" parTransId="{057A5473-2D98-4ECF-B435-4CB81C117798}" sibTransId="{56E81CDD-6D79-47B3-AAAF-57A4C63AB402}"/>
-    <dgm:cxn modelId="{86D77A50-727E-4FC1-8002-2782D1694428}" type="presOf" srcId="{D18E537E-B4C9-4A1B-B3AC-4054D4A66DDD}" destId="{432143B9-140C-4416-92DC-96815D1AEFE0}" srcOrd="0" destOrd="2" presId="urn:microsoft.com/office/officeart/2005/8/layout/radial1"/>
-    <dgm:cxn modelId="{539D00AF-569D-481C-A769-4EC0C6D6E504}" type="presOf" srcId="{5871EDCE-3F4B-4927-96CB-9BCF3AAA90E4}" destId="{E350E0D2-04DA-433B-BF36-92919459E719}" srcOrd="1" destOrd="0" presId="urn:microsoft.com/office/officeart/2005/8/layout/radial1"/>
-    <dgm:cxn modelId="{BD4E7829-69DC-47BB-AD41-88C1D7B73E7C}" type="presOf" srcId="{E1DAC6D0-3F70-40C7-93E9-994E2FA867AA}" destId="{C3D6D312-FBD0-4E57-BE8A-DF42189CD118}" srcOrd="0" destOrd="0" presId="urn:microsoft.com/office/officeart/2005/8/layout/radial1"/>
-    <dgm:cxn modelId="{4AAF0589-E351-4099-BBD0-A7A3B0DB8DAC}" type="presOf" srcId="{ADB68735-6BFA-4AB1-8640-B73A0A03781E}" destId="{3DBFB8A4-A9A9-4271-AD3B-34E073A11877}" srcOrd="1" destOrd="0" presId="urn:microsoft.com/office/officeart/2005/8/layout/radial1"/>
-    <dgm:cxn modelId="{D26FFA9A-DEA6-4517-BB32-C2DF7AC8FDD7}" type="presOf" srcId="{F5CFD66C-3D96-4AC2-AF00-379D350641B7}" destId="{522438C3-DF03-41BA-8784-883568A80890}" srcOrd="0" destOrd="2" presId="urn:microsoft.com/office/officeart/2005/8/layout/radial1"/>
-    <dgm:cxn modelId="{190F15CB-3CE8-40D3-B34A-879C609DB2D6}" srcId="{E1DAC6D0-3F70-40C7-93E9-994E2FA867AA}" destId="{668A9300-CA18-4869-86B8-CD5AE8FCD71D}" srcOrd="2" destOrd="0" parTransId="{67BEBE1A-3A5B-4657-AE6B-F121649C426D}" sibTransId="{36A177A7-3279-4D3C-991A-214DB5A3D2AB}"/>
-    <dgm:cxn modelId="{DD7AD544-D974-45F7-9F2C-E42A1A7D2E45}" srcId="{789771DC-6B9A-4094-B5C2-7D220FEAFD69}" destId="{4941EC8D-5C8E-4086-B248-16E3640F1BC4}" srcOrd="0" destOrd="0" parTransId="{9F7863C7-342A-44B3-80E7-8B9D6CBE7D25}" sibTransId="{1B8E44B0-E7CC-425E-8AF4-D570B3EA53AB}"/>
-    <dgm:cxn modelId="{838A6838-1BD5-400E-BAEC-9BD011B87189}" type="presOf" srcId="{AD916FB1-6F05-4BDF-BE92-C129A64187EF}" destId="{2A75E615-30CE-4F4E-97D7-ADC19AFBDFFA}" srcOrd="1" destOrd="0" presId="urn:microsoft.com/office/officeart/2005/8/layout/radial1"/>
-    <dgm:cxn modelId="{7D158109-777F-46D2-A3C3-2241FE1AD285}" srcId="{B47BE4D0-09EF-4DC9-B746-81C9F0BBDCF1}" destId="{E1DAC6D0-3F70-40C7-93E9-994E2FA867AA}" srcOrd="0" destOrd="0" parTransId="{FE8FC1AE-7B12-4545-9B86-6A895D884D8E}" sibTransId="{8ED93458-5F31-4E49-B83F-46A52ADD3462}"/>
-    <dgm:cxn modelId="{600D7B8A-110C-41FD-B524-64E390944087}" type="presOf" srcId="{AC7067C7-F6DA-4728-AF35-AAD15AFD7B4F}" destId="{432143B9-140C-4416-92DC-96815D1AEFE0}" srcOrd="0" destOrd="1" presId="urn:microsoft.com/office/officeart/2005/8/layout/radial1"/>
-    <dgm:cxn modelId="{A7FDFAA0-EABC-4409-B28A-03C492BF0C08}" type="presOf" srcId="{67BEBE1A-3A5B-4657-AE6B-F121649C426D}" destId="{260B1ECE-CCA2-431B-8F4B-4CAAA8A74E6D}" srcOrd="1" destOrd="0" presId="urn:microsoft.com/office/officeart/2005/8/layout/radial1"/>
-    <dgm:cxn modelId="{20D7A0D7-2260-4448-8743-553447F562D0}" srcId="{668A9300-CA18-4869-86B8-CD5AE8FCD71D}" destId="{B0772A81-28BB-442D-BE01-E528E9F73514}" srcOrd="0" destOrd="0" parTransId="{95EBE762-DB35-4DEC-ACCC-15A87AA53A2D}" sibTransId="{7474DD8F-F34B-4C46-9020-A2244663F2D3}"/>
-    <dgm:cxn modelId="{C030F496-40BB-41B0-AF3A-18974589454E}" type="presOf" srcId="{AD916FB1-6F05-4BDF-BE92-C129A64187EF}" destId="{622BEBB3-D706-4739-8E53-393060FB41E8}" srcOrd="0" destOrd="0" presId="urn:microsoft.com/office/officeart/2005/8/layout/radial1"/>
-    <dgm:cxn modelId="{A5B272BB-B62C-4A0F-A9A5-A2A1B7E660FA}" type="presOf" srcId="{4E0E47D3-2FA4-46FC-8D26-AF129007AC24}" destId="{6AD65DF4-258C-4516-8707-CF9FABFEBFCD}" srcOrd="0" destOrd="2" presId="urn:microsoft.com/office/officeart/2005/8/layout/radial1"/>
+    <dgm:cxn modelId="{A34634DE-84D9-4733-A156-1CA1069BAEBC}" type="presOf" srcId="{4941EC8D-5C8E-4086-B248-16E3640F1BC4}" destId="{6AD65DF4-258C-4516-8707-CF9FABFEBFCD}" srcOrd="0" destOrd="1" presId="urn:microsoft.com/office/officeart/2005/8/layout/radial1"/>
     <dgm:cxn modelId="{F5E53CE5-AD52-4455-AB14-0C486FABFE3F}" type="presOf" srcId="{66DA6CAA-AFD4-4709-9AEB-BE238748364D}" destId="{522438C3-DF03-41BA-8784-883568A80890}" srcOrd="0" destOrd="0" presId="urn:microsoft.com/office/officeart/2005/8/layout/radial1"/>
-    <dgm:cxn modelId="{0D28B6B6-E71A-498D-8EA9-091388DAA186}" type="presOf" srcId="{67BEBE1A-3A5B-4657-AE6B-F121649C426D}" destId="{5E75B7D9-72A6-4BCE-BB1F-DA36363C4E77}" srcOrd="0" destOrd="0" presId="urn:microsoft.com/office/officeart/2005/8/layout/radial1"/>
-    <dgm:cxn modelId="{E87B6DD1-6D96-455C-98E2-658E6B59565F}" srcId="{66DA6CAA-AFD4-4709-9AEB-BE238748364D}" destId="{EE5BB507-6FF0-408C-AEAE-9CA58E77FAD6}" srcOrd="0" destOrd="0" parTransId="{DBF793A7-B33E-49B7-8DAD-5DCE8BB07548}" sibTransId="{EC6D5965-A443-40F1-A101-EF728788BC07}"/>
-    <dgm:cxn modelId="{86CB1F20-179C-4725-AF81-6E02F275A7F0}" type="presOf" srcId="{EE5BB507-6FF0-408C-AEAE-9CA58E77FAD6}" destId="{522438C3-DF03-41BA-8784-883568A80890}" srcOrd="0" destOrd="1" presId="urn:microsoft.com/office/officeart/2005/8/layout/radial1"/>
-    <dgm:cxn modelId="{D12E0E1F-3C17-4467-8A09-33E4ACE5A7A7}" srcId="{E1DAC6D0-3F70-40C7-93E9-994E2FA867AA}" destId="{D477EAE7-33E5-4A7B-BB35-B86123C6C54C}" srcOrd="4" destOrd="0" parTransId="{DA71B3B9-09A9-4C6F-9E29-C5A9DE5A4E67}" sibTransId="{CB35CD61-FA0E-4ECB-8145-17D2DA274E66}"/>
-    <dgm:cxn modelId="{A34634DE-84D9-4733-A156-1CA1069BAEBC}" type="presOf" srcId="{4941EC8D-5C8E-4086-B248-16E3640F1BC4}" destId="{6AD65DF4-258C-4516-8707-CF9FABFEBFCD}" srcOrd="0" destOrd="1" presId="urn:microsoft.com/office/officeart/2005/8/layout/radial1"/>
-    <dgm:cxn modelId="{EF928492-361F-4113-80D2-252FBF8CDE6D}" type="presOf" srcId="{5871EDCE-3F4B-4927-96CB-9BCF3AAA90E4}" destId="{643942D3-D8D9-4FA8-98DF-A9B9CB58B587}" srcOrd="0" destOrd="0" presId="urn:microsoft.com/office/officeart/2005/8/layout/radial1"/>
-    <dgm:cxn modelId="{F948F8C1-7AB1-4E47-B2FD-5B1073F96410}" type="presOf" srcId="{CEC2656A-E0BC-49F2-B8ED-F53B857B3F37}" destId="{432143B9-140C-4416-92DC-96815D1AEFE0}" srcOrd="0" destOrd="0" presId="urn:microsoft.com/office/officeart/2005/8/layout/radial1"/>
-    <dgm:cxn modelId="{CCBC4E86-590A-46F1-B372-6E5DF23647E0}" srcId="{66DA6CAA-AFD4-4709-9AEB-BE238748364D}" destId="{F5CFD66C-3D96-4AC2-AF00-379D350641B7}" srcOrd="1" destOrd="0" parTransId="{FD16FEE6-D7AE-44DE-B818-61F39F0EE6F1}" sibTransId="{8BC57D78-0423-4FB5-A0F8-1371255F7B7C}"/>
-    <dgm:cxn modelId="{F446AD4F-4EBA-43B0-A21C-4F6382DADC5D}" srcId="{CEC2656A-E0BC-49F2-B8ED-F53B857B3F37}" destId="{AC7067C7-F6DA-4728-AF35-AAD15AFD7B4F}" srcOrd="0" destOrd="0" parTransId="{519C0772-5BAC-4F3D-8C27-E84854D88A90}" sibTransId="{B735960E-0137-4DC5-BC41-5F3BEB018675}"/>
+    <dgm:cxn modelId="{B9A5FEED-D706-4BD6-9A55-F434072C94D6}" type="presOf" srcId="{D477EAE7-33E5-4A7B-BB35-B86123C6C54C}" destId="{D5E68496-D1A7-4E07-A9AA-236FE82193E6}" srcOrd="0" destOrd="0" presId="urn:microsoft.com/office/officeart/2005/8/layout/radial1"/>
+    <dgm:cxn modelId="{C66644F2-2884-45F0-864E-507CF0E2C9B6}" srcId="{789771DC-6B9A-4094-B5C2-7D220FEAFD69}" destId="{CFF10F3F-23B1-4901-BC09-19921F995B5A}" srcOrd="2" destOrd="0" parTransId="{90555313-0CDA-409B-A919-71A7D7055E76}" sibTransId="{95385F99-E220-452E-8271-771980053B18}"/>
     <dgm:cxn modelId="{CF6069FC-9E64-49BB-9BE8-A649D5547FD2}" type="presOf" srcId="{668A9300-CA18-4869-86B8-CD5AE8FCD71D}" destId="{B8609EC8-1B94-49B9-9DB4-04F710CFE2FA}" srcOrd="0" destOrd="0" presId="urn:microsoft.com/office/officeart/2005/8/layout/radial1"/>
-    <dgm:cxn modelId="{B9F91848-8625-4796-9EB4-0C90C22B05BC}" srcId="{E1DAC6D0-3F70-40C7-93E9-994E2FA867AA}" destId="{CEC2656A-E0BC-49F2-B8ED-F53B857B3F37}" srcOrd="1" destOrd="0" parTransId="{5871EDCE-3F4B-4927-96CB-9BCF3AAA90E4}" sibTransId="{81DCCA8C-31AC-4510-850F-48B769EF95A4}"/>
-    <dgm:cxn modelId="{AA7542BE-5E15-4145-A509-4843F093D838}" srcId="{CEC2656A-E0BC-49F2-B8ED-F53B857B3F37}" destId="{D18E537E-B4C9-4A1B-B3AC-4054D4A66DDD}" srcOrd="1" destOrd="0" parTransId="{B8FC1DA4-259C-4989-B0CD-C52B38986D44}" sibTransId="{059CC7F2-B6A5-420B-94BC-00385FEAD4D7}"/>
-    <dgm:cxn modelId="{A199949C-7462-43CF-8A75-AA472E52438F}" type="presOf" srcId="{ADB68735-6BFA-4AB1-8640-B73A0A03781E}" destId="{F30039F5-66A8-46C7-8B82-393E08EA72CD}" srcOrd="0" destOrd="0" presId="urn:microsoft.com/office/officeart/2005/8/layout/radial1"/>
-    <dgm:cxn modelId="{D527B4D3-3441-4201-B88E-8EDE863E6F50}" type="presOf" srcId="{DA71B3B9-09A9-4C6F-9E29-C5A9DE5A4E67}" destId="{0C48F949-36E0-498E-9E5B-87D0DD8EB513}" srcOrd="1" destOrd="0" presId="urn:microsoft.com/office/officeart/2005/8/layout/radial1"/>
-    <dgm:cxn modelId="{6F05C365-9C84-4BDC-8F42-59A583F0BA82}" type="presOf" srcId="{B47BE4D0-09EF-4DC9-B746-81C9F0BBDCF1}" destId="{CCD743AE-3A6F-4157-9418-CAB516B3B6E5}" srcOrd="0" destOrd="0" presId="urn:microsoft.com/office/officeart/2005/8/layout/radial1"/>
-    <dgm:cxn modelId="{9AD95201-72A7-494D-9C90-963D9D1522A2}" type="presOf" srcId="{DA71B3B9-09A9-4C6F-9E29-C5A9DE5A4E67}" destId="{A2F05774-3697-43C1-8425-C2A487A86564}" srcOrd="0" destOrd="0" presId="urn:microsoft.com/office/officeart/2005/8/layout/radial1"/>
-    <dgm:cxn modelId="{C66644F2-2884-45F0-864E-507CF0E2C9B6}" srcId="{789771DC-6B9A-4094-B5C2-7D220FEAFD69}" destId="{CFF10F3F-23B1-4901-BC09-19921F995B5A}" srcOrd="2" destOrd="0" parTransId="{90555313-0CDA-409B-A919-71A7D7055E76}" sibTransId="{95385F99-E220-452E-8271-771980053B18}"/>
     <dgm:cxn modelId="{3ED366FE-1F35-4A5C-BB32-F101F706C33F}" type="presOf" srcId="{789771DC-6B9A-4094-B5C2-7D220FEAFD69}" destId="{6AD65DF4-258C-4516-8707-CF9FABFEBFCD}" srcOrd="0" destOrd="0" presId="urn:microsoft.com/office/officeart/2005/8/layout/radial1"/>
-    <dgm:cxn modelId="{028D4272-4D0E-428E-B502-FE32CD2479C0}" srcId="{E1DAC6D0-3F70-40C7-93E9-994E2FA867AA}" destId="{789771DC-6B9A-4094-B5C2-7D220FEAFD69}" srcOrd="0" destOrd="0" parTransId="{AD916FB1-6F05-4BDF-BE92-C129A64187EF}" sibTransId="{C7A093FD-1419-4961-A9F4-7A189DB10736}"/>
-    <dgm:cxn modelId="{B9A5FEED-D706-4BD6-9A55-F434072C94D6}" type="presOf" srcId="{D477EAE7-33E5-4A7B-BB35-B86123C6C54C}" destId="{D5E68496-D1A7-4E07-A9AA-236FE82193E6}" srcOrd="0" destOrd="0" presId="urn:microsoft.com/office/officeart/2005/8/layout/radial1"/>
-    <dgm:cxn modelId="{1B2F325B-76FC-4301-99C2-952CBCEE74DA}" srcId="{E1DAC6D0-3F70-40C7-93E9-994E2FA867AA}" destId="{66DA6CAA-AFD4-4709-9AEB-BE238748364D}" srcOrd="3" destOrd="0" parTransId="{ADB68735-6BFA-4AB1-8640-B73A0A03781E}" sibTransId="{F9A31AD2-C2A6-4C07-AD18-9E2D94593E05}"/>
     <dgm:cxn modelId="{FB729E88-CA8A-47A0-9C81-02530CE06F3D}" type="presParOf" srcId="{CCD743AE-3A6F-4157-9418-CAB516B3B6E5}" destId="{C3D6D312-FBD0-4E57-BE8A-DF42189CD118}" srcOrd="0" destOrd="0" presId="urn:microsoft.com/office/officeart/2005/8/layout/radial1"/>
     <dgm:cxn modelId="{9F34F7A3-6563-4BCF-9317-8492B2B22411}" type="presParOf" srcId="{CCD743AE-3A6F-4157-9418-CAB516B3B6E5}" destId="{622BEBB3-D706-4739-8E53-393060FB41E8}" srcOrd="1" destOrd="0" presId="urn:microsoft.com/office/officeart/2005/8/layout/radial1"/>
     <dgm:cxn modelId="{E351F0C7-0434-4240-A6A8-8F44A2465DED}" type="presParOf" srcId="{622BEBB3-D706-4739-8E53-393060FB41E8}" destId="{2A75E615-30CE-4F4E-97D7-ADC19AFBDFFA}" srcOrd="0" destOrd="0" presId="urn:microsoft.com/office/officeart/2005/8/layout/radial1"/>
@@ -4116,7 +4121,7 @@
           <a:p>
             <a:fld id="{245D6BBE-FF37-4515-B796-D30B23A0C718}" type="datetimeFigureOut">
               <a:rPr lang="ru-RU" smtClean="0"/>
-              <a:t>15.09.2016</a:t>
+              <a:t>19.09.2018</a:t>
             </a:fld>
             <a:endParaRPr lang="ru-RU"/>
           </a:p>
@@ -4211,7 +4216,6 @@
               <a:rPr lang="ru-RU"/>
               <a:t>Пятый уровень</a:t>
             </a:r>
-            <a:endParaRPr lang="ru-RU"/>
           </a:p>
         </p:txBody>
       </p:sp>
@@ -4623,7 +4627,6 @@
               <a:rPr lang="ru-RU"/>
               <a:t>Образец заголовка</a:t>
             </a:r>
-            <a:endParaRPr lang="ru-RU"/>
           </a:p>
         </p:txBody>
       </p:sp>
@@ -4688,7 +4691,6 @@
               <a:rPr lang="ru-RU"/>
               <a:t>Образец подзаголовка</a:t>
             </a:r>
-            <a:endParaRPr lang="ru-RU"/>
           </a:p>
         </p:txBody>
       </p:sp>
@@ -4709,7 +4711,7 @@
           <a:p>
             <a:fld id="{7CD9CFFE-9B8E-4E6F-9C50-BF6CD17BA4CD}" type="datetimeFigureOut">
               <a:rPr lang="ru-RU" smtClean="0"/>
-              <a:t>15.09.2016</a:t>
+              <a:t>19.09.2018</a:t>
             </a:fld>
             <a:endParaRPr lang="ru-RU"/>
           </a:p>
@@ -4806,7 +4808,6 @@
               <a:rPr lang="ru-RU"/>
               <a:t>Образец заголовка</a:t>
             </a:r>
-            <a:endParaRPr lang="ru-RU"/>
           </a:p>
         </p:txBody>
       </p:sp>
@@ -4858,7 +4859,6 @@
               <a:rPr lang="ru-RU"/>
               <a:t>Пятый уровень</a:t>
             </a:r>
-            <a:endParaRPr lang="ru-RU"/>
           </a:p>
         </p:txBody>
       </p:sp>
@@ -4879,7 +4879,7 @@
           <a:p>
             <a:fld id="{7CD9CFFE-9B8E-4E6F-9C50-BF6CD17BA4CD}" type="datetimeFigureOut">
               <a:rPr lang="ru-RU" smtClean="0"/>
-              <a:t>15.09.2016</a:t>
+              <a:t>19.09.2018</a:t>
             </a:fld>
             <a:endParaRPr lang="ru-RU"/>
           </a:p>
@@ -4981,7 +4981,6 @@
               <a:rPr lang="ru-RU"/>
               <a:t>Образец заголовка</a:t>
             </a:r>
-            <a:endParaRPr lang="ru-RU"/>
           </a:p>
         </p:txBody>
       </p:sp>
@@ -5038,7 +5037,6 @@
               <a:rPr lang="ru-RU"/>
               <a:t>Пятый уровень</a:t>
             </a:r>
-            <a:endParaRPr lang="ru-RU"/>
           </a:p>
         </p:txBody>
       </p:sp>
@@ -5059,7 +5057,7 @@
           <a:p>
             <a:fld id="{7CD9CFFE-9B8E-4E6F-9C50-BF6CD17BA4CD}" type="datetimeFigureOut">
               <a:rPr lang="ru-RU" smtClean="0"/>
-              <a:t>15.09.2016</a:t>
+              <a:t>19.09.2018</a:t>
             </a:fld>
             <a:endParaRPr lang="ru-RU"/>
           </a:p>
@@ -5156,7 +5154,6 @@
               <a:rPr lang="ru-RU"/>
               <a:t>Образец заголовка</a:t>
             </a:r>
-            <a:endParaRPr lang="ru-RU"/>
           </a:p>
         </p:txBody>
       </p:sp>
@@ -5208,7 +5205,6 @@
               <a:rPr lang="ru-RU"/>
               <a:t>Пятый уровень</a:t>
             </a:r>
-            <a:endParaRPr lang="ru-RU"/>
           </a:p>
         </p:txBody>
       </p:sp>
@@ -5229,7 +5225,7 @@
           <a:p>
             <a:fld id="{7CD9CFFE-9B8E-4E6F-9C50-BF6CD17BA4CD}" type="datetimeFigureOut">
               <a:rPr lang="ru-RU" smtClean="0"/>
-              <a:t>15.09.2016</a:t>
+              <a:t>19.09.2018</a:t>
             </a:fld>
             <a:endParaRPr lang="ru-RU"/>
           </a:p>
@@ -5335,7 +5331,6 @@
               <a:rPr lang="ru-RU"/>
               <a:t>Образец заголовка</a:t>
             </a:r>
-            <a:endParaRPr lang="ru-RU"/>
           </a:p>
         </p:txBody>
       </p:sp>
@@ -5475,7 +5470,7 @@
           <a:p>
             <a:fld id="{7CD9CFFE-9B8E-4E6F-9C50-BF6CD17BA4CD}" type="datetimeFigureOut">
               <a:rPr lang="ru-RU" smtClean="0"/>
-              <a:t>15.09.2016</a:t>
+              <a:t>19.09.2018</a:t>
             </a:fld>
             <a:endParaRPr lang="ru-RU"/>
           </a:p>
@@ -5572,7 +5567,6 @@
               <a:rPr lang="ru-RU"/>
               <a:t>Образец заголовка</a:t>
             </a:r>
-            <a:endParaRPr lang="ru-RU"/>
           </a:p>
         </p:txBody>
       </p:sp>
@@ -5629,7 +5623,6 @@
               <a:rPr lang="ru-RU"/>
               <a:t>Пятый уровень</a:t>
             </a:r>
-            <a:endParaRPr lang="ru-RU"/>
           </a:p>
         </p:txBody>
       </p:sp>
@@ -5686,7 +5679,6 @@
               <a:rPr lang="ru-RU"/>
               <a:t>Пятый уровень</a:t>
             </a:r>
-            <a:endParaRPr lang="ru-RU"/>
           </a:p>
         </p:txBody>
       </p:sp>
@@ -5707,7 +5699,7 @@
           <a:p>
             <a:fld id="{7CD9CFFE-9B8E-4E6F-9C50-BF6CD17BA4CD}" type="datetimeFigureOut">
               <a:rPr lang="ru-RU" smtClean="0"/>
-              <a:t>15.09.2016</a:t>
+              <a:t>19.09.2018</a:t>
             </a:fld>
             <a:endParaRPr lang="ru-RU"/>
           </a:p>
@@ -5809,7 +5801,6 @@
               <a:rPr lang="ru-RU"/>
               <a:t>Образец заголовка</a:t>
             </a:r>
-            <a:endParaRPr lang="ru-RU"/>
           </a:p>
         </p:txBody>
       </p:sp>
@@ -5931,7 +5922,6 @@
               <a:rPr lang="ru-RU"/>
               <a:t>Пятый уровень</a:t>
             </a:r>
-            <a:endParaRPr lang="ru-RU"/>
           </a:p>
         </p:txBody>
       </p:sp>
@@ -6053,7 +6043,6 @@
               <a:rPr lang="ru-RU"/>
               <a:t>Пятый уровень</a:t>
             </a:r>
-            <a:endParaRPr lang="ru-RU"/>
           </a:p>
         </p:txBody>
       </p:sp>
@@ -6074,7 +6063,7 @@
           <a:p>
             <a:fld id="{7CD9CFFE-9B8E-4E6F-9C50-BF6CD17BA4CD}" type="datetimeFigureOut">
               <a:rPr lang="ru-RU" smtClean="0"/>
-              <a:t>15.09.2016</a:t>
+              <a:t>19.09.2018</a:t>
             </a:fld>
             <a:endParaRPr lang="ru-RU"/>
           </a:p>
@@ -6171,7 +6160,6 @@
               <a:rPr lang="ru-RU"/>
               <a:t>Образец заголовка</a:t>
             </a:r>
-            <a:endParaRPr lang="ru-RU"/>
           </a:p>
         </p:txBody>
       </p:sp>
@@ -6192,7 +6180,7 @@
           <a:p>
             <a:fld id="{7CD9CFFE-9B8E-4E6F-9C50-BF6CD17BA4CD}" type="datetimeFigureOut">
               <a:rPr lang="ru-RU" smtClean="0"/>
-              <a:t>15.09.2016</a:t>
+              <a:t>19.09.2018</a:t>
             </a:fld>
             <a:endParaRPr lang="ru-RU"/>
           </a:p>
@@ -6287,7 +6275,7 @@
           <a:p>
             <a:fld id="{7CD9CFFE-9B8E-4E6F-9C50-BF6CD17BA4CD}" type="datetimeFigureOut">
               <a:rPr lang="ru-RU" smtClean="0"/>
-              <a:t>15.09.2016</a:t>
+              <a:t>19.09.2018</a:t>
             </a:fld>
             <a:endParaRPr lang="ru-RU"/>
           </a:p>
@@ -6393,7 +6381,6 @@
               <a:rPr lang="ru-RU"/>
               <a:t>Образец заголовка</a:t>
             </a:r>
-            <a:endParaRPr lang="ru-RU"/>
           </a:p>
         </p:txBody>
       </p:sp>
@@ -6478,7 +6465,6 @@
               <a:rPr lang="ru-RU"/>
               <a:t>Пятый уровень</a:t>
             </a:r>
-            <a:endParaRPr lang="ru-RU"/>
           </a:p>
         </p:txBody>
       </p:sp>
@@ -6564,7 +6550,7 @@
           <a:p>
             <a:fld id="{7CD9CFFE-9B8E-4E6F-9C50-BF6CD17BA4CD}" type="datetimeFigureOut">
               <a:rPr lang="ru-RU" smtClean="0"/>
-              <a:t>15.09.2016</a:t>
+              <a:t>19.09.2018</a:t>
             </a:fld>
             <a:endParaRPr lang="ru-RU"/>
           </a:p>
@@ -6670,7 +6656,6 @@
               <a:rPr lang="ru-RU"/>
               <a:t>Образец заголовка</a:t>
             </a:r>
-            <a:endParaRPr lang="ru-RU"/>
           </a:p>
         </p:txBody>
       </p:sp>
@@ -6817,7 +6802,7 @@
           <a:p>
             <a:fld id="{7CD9CFFE-9B8E-4E6F-9C50-BF6CD17BA4CD}" type="datetimeFigureOut">
               <a:rPr lang="ru-RU" smtClean="0"/>
-              <a:t>15.09.2016</a:t>
+              <a:t>19.09.2018</a:t>
             </a:fld>
             <a:endParaRPr lang="ru-RU"/>
           </a:p>
@@ -6929,7 +6914,6 @@
               <a:rPr lang="ru-RU"/>
               <a:t>Образец заголовка</a:t>
             </a:r>
-            <a:endParaRPr lang="ru-RU"/>
           </a:p>
         </p:txBody>
       </p:sp>
@@ -6991,7 +6975,6 @@
               <a:rPr lang="ru-RU"/>
               <a:t>Пятый уровень</a:t>
             </a:r>
-            <a:endParaRPr lang="ru-RU"/>
           </a:p>
         </p:txBody>
       </p:sp>
@@ -7030,7 +7013,7 @@
           <a:p>
             <a:fld id="{7CD9CFFE-9B8E-4E6F-9C50-BF6CD17BA4CD}" type="datetimeFigureOut">
               <a:rPr lang="ru-RU" smtClean="0"/>
-              <a:t>15.09.2016</a:t>
+              <a:t>19.09.2018</a:t>
             </a:fld>
             <a:endParaRPr lang="ru-RU"/>
           </a:p>
@@ -9327,13 +9310,21 @@
           <a:p>
             <a:r>
               <a:rPr lang="ru-RU" dirty="0"/>
-              <a:t>Продолжить с того места, где закончилась математика и экономика – введение в статистику через использование линейных моделей</a:t>
-            </a:r>
-          </a:p>
-          <a:p>
+              <a:t>Продолжить с того места, где закончилась математика, статистика, программирование, </a:t>
+            </a:r>
+            <a:r>
+              <a:rPr lang="ru-RU" dirty="0" err="1"/>
+              <a:t>субд</a:t>
+            </a:r>
             <a:r>
               <a:rPr lang="ru-RU" dirty="0"/>
-              <a:t>Изучить современные инструменты анализа данных, которые пригодятся на протяжении всей жизни – </a:t>
+              <a:t>, социология экономика … – введение в статистику через использование линейных моделей</a:t>
+            </a:r>
+          </a:p>
+          <a:p>
+            <a:r>
+              <a:rPr lang="ru-RU" dirty="0"/>
+              <a:t>Изучить современные инструменты анализа данных, которые пригодятся на протяжении всей жизни – с помощью </a:t>
             </a:r>
             <a:r>
               <a:rPr lang="en-US" dirty="0"/>
@@ -9724,7 +9715,7 @@
             </a:pPr>
             <a:r>
               <a:rPr lang="ru-RU" sz="2800" dirty="0"/>
-              <a:t>Показать как даже небольшие знания статистических вычисления могут повлиять на понимание происходящих вокруг процессов</a:t>
+              <a:t>Показать как даже небольшие знания статистических вычислений могут повлиять на понимание происходящих вокруг процессов</a:t>
             </a:r>
           </a:p>
           <a:p>
